--- a/presentation.pptx
+++ b/presentation.pptx
@@ -8,9 +8,11 @@
     <p:sldId id="257" r:id="rId2"/>
     <p:sldId id="256" r:id="rId3"/>
     <p:sldId id="258" r:id="rId4"/>
-    <p:sldId id="259" r:id="rId5"/>
+    <p:sldId id="262" r:id="rId5"/>
     <p:sldId id="260" r:id="rId6"/>
-    <p:sldId id="261" r:id="rId7"/>
+    <p:sldId id="259" r:id="rId7"/>
+    <p:sldId id="261" r:id="rId8"/>
+    <p:sldId id="263" r:id="rId9"/>
   </p:sldIdLst>
   <p:sldSz cx="12192000" cy="6858000"/>
   <p:notesSz cx="6858000" cy="9144000"/>
@@ -109,6 +111,11 @@
       </a:defRPr>
     </a:lvl9pPr>
   </p:defaultTextStyle>
+  <p:extLst>
+    <p:ext uri="{EFAFB233-063F-42B5-8137-9DF3F51BA10A}">
+      <p15:sldGuideLst xmlns:p15="http://schemas.microsoft.com/office/powerpoint/2012/main"/>
+    </p:ext>
+  </p:extLst>
 </p:presentation>
 </file>
 
@@ -207,7 +214,7 @@
           <a:effectLst/>
           <a:extLst>
             <a:ext uri="{91240B29-F687-4f45-9708-019B960494DF}">
-              <a14:hiddenLine xmlns:a14="http://schemas.microsoft.com/office/drawing/2010/main" xmlns="" w="9525">
+              <a14:hiddenLine xmlns="" xmlns:a14="http://schemas.microsoft.com/office/drawing/2010/main" w="9525">
                 <a:solidFill>
                   <a:srgbClr val="000000"/>
                 </a:solidFill>
@@ -399,7 +406,7 @@
           <a:p>
             <a:fld id="{85DC925B-5163-2244-89A0-03E274A63521}" type="datetimeFigureOut">
               <a:rPr lang="en-US" smtClean="0"/>
-              <a:t>7/17/19</a:t>
+              <a:t>7/18/19</a:t>
             </a:fld>
             <a:endParaRPr lang="en-US"/>
           </a:p>
@@ -717,7 +724,7 @@
           <a:p>
             <a:fld id="{85DC925B-5163-2244-89A0-03E274A63521}" type="datetimeFigureOut">
               <a:rPr lang="en-US" smtClean="0"/>
-              <a:t>7/17/19</a:t>
+              <a:t>7/18/19</a:t>
             </a:fld>
             <a:endParaRPr lang="en-US"/>
           </a:p>
@@ -1205,7 +1212,7 @@
           <a:p>
             <a:fld id="{85DC925B-5163-2244-89A0-03E274A63521}" type="datetimeFigureOut">
               <a:rPr lang="en-US" smtClean="0"/>
-              <a:t>7/17/19</a:t>
+              <a:t>7/18/19</a:t>
             </a:fld>
             <a:endParaRPr lang="en-US"/>
           </a:p>
@@ -1574,7 +1581,7 @@
           <a:p>
             <a:fld id="{85DC925B-5163-2244-89A0-03E274A63521}" type="datetimeFigureOut">
               <a:rPr lang="en-US" smtClean="0"/>
-              <a:t>7/17/19</a:t>
+              <a:t>7/18/19</a:t>
             </a:fld>
             <a:endParaRPr lang="en-US"/>
           </a:p>
@@ -1729,7 +1736,7 @@
           <a:ln/>
           <a:extLst>
             <a:ext uri="{91240B29-F687-4f45-9708-019B960494DF}">
-              <a14:hiddenLine xmlns:a14="http://schemas.microsoft.com/office/drawing/2010/main" xmlns="" w="9525">
+              <a14:hiddenLine xmlns="" xmlns:a14="http://schemas.microsoft.com/office/drawing/2010/main" w="9525">
                 <a:solidFill>
                   <a:srgbClr val="000000"/>
                 </a:solidFill>
@@ -1847,7 +1854,7 @@
           <a:p>
             <a:fld id="{85DC925B-5163-2244-89A0-03E274A63521}" type="datetimeFigureOut">
               <a:rPr lang="en-US" smtClean="0"/>
-              <a:t>7/17/19</a:t>
+              <a:t>7/18/19</a:t>
             </a:fld>
             <a:endParaRPr lang="en-US"/>
           </a:p>
@@ -2004,7 +2011,7 @@
           <a:ln/>
           <a:extLst>
             <a:ext uri="{91240B29-F687-4f45-9708-019B960494DF}">
-              <a14:hiddenLine xmlns:a14="http://schemas.microsoft.com/office/drawing/2010/main" xmlns="" w="9525">
+              <a14:hiddenLine xmlns="" xmlns:a14="http://schemas.microsoft.com/office/drawing/2010/main" w="9525">
                 <a:solidFill>
                   <a:srgbClr val="000000"/>
                 </a:solidFill>
@@ -2132,7 +2139,7 @@
           <a:p>
             <a:fld id="{85DC925B-5163-2244-89A0-03E274A63521}" type="datetimeFigureOut">
               <a:rPr lang="en-US" smtClean="0"/>
-              <a:t>7/17/19</a:t>
+              <a:t>7/18/19</a:t>
             </a:fld>
             <a:endParaRPr lang="en-US"/>
           </a:p>
@@ -2287,7 +2294,7 @@
           <a:ln/>
           <a:extLst>
             <a:ext uri="{91240B29-F687-4f45-9708-019B960494DF}">
-              <a14:hiddenLine xmlns:a14="http://schemas.microsoft.com/office/drawing/2010/main" xmlns="" w="9525">
+              <a14:hiddenLine xmlns="" xmlns:a14="http://schemas.microsoft.com/office/drawing/2010/main" w="9525">
                 <a:solidFill>
                   <a:srgbClr val="000000"/>
                 </a:solidFill>
@@ -2415,7 +2422,7 @@
           <a:p>
             <a:fld id="{85DC925B-5163-2244-89A0-03E274A63521}" type="datetimeFigureOut">
               <a:rPr lang="en-US" smtClean="0"/>
-              <a:t>7/17/19</a:t>
+              <a:t>7/18/19</a:t>
             </a:fld>
             <a:endParaRPr lang="en-US"/>
           </a:p>
@@ -2758,7 +2765,7 @@
           <a:p>
             <a:fld id="{85DC925B-5163-2244-89A0-03E274A63521}" type="datetimeFigureOut">
               <a:rPr lang="en-US" smtClean="0"/>
-              <a:t>7/17/19</a:t>
+              <a:t>7/18/19</a:t>
             </a:fld>
             <a:endParaRPr lang="en-US"/>
           </a:p>
@@ -2913,7 +2920,7 @@
           <a:ln/>
           <a:extLst>
             <a:ext uri="{91240B29-F687-4f45-9708-019B960494DF}">
-              <a14:hiddenLine xmlns:a14="http://schemas.microsoft.com/office/drawing/2010/main" xmlns="" w="9525">
+              <a14:hiddenLine xmlns="" xmlns:a14="http://schemas.microsoft.com/office/drawing/2010/main" w="9525">
                 <a:solidFill>
                   <a:srgbClr val="000000"/>
                 </a:solidFill>
@@ -3097,7 +3104,7 @@
           <a:p>
             <a:fld id="{85DC925B-5163-2244-89A0-03E274A63521}" type="datetimeFigureOut">
               <a:rPr lang="en-US" smtClean="0"/>
-              <a:t>7/17/19</a:t>
+              <a:t>7/18/19</a:t>
             </a:fld>
             <a:endParaRPr lang="en-US"/>
           </a:p>
@@ -3252,7 +3259,7 @@
           <a:ln/>
           <a:extLst>
             <a:ext uri="{91240B29-F687-4f45-9708-019B960494DF}">
-              <a14:hiddenLine xmlns:a14="http://schemas.microsoft.com/office/drawing/2010/main" xmlns="" w="9525">
+              <a14:hiddenLine xmlns="" xmlns:a14="http://schemas.microsoft.com/office/drawing/2010/main" w="9525">
                 <a:solidFill>
                   <a:srgbClr val="000000"/>
                 </a:solidFill>
@@ -3574,7 +3581,7 @@
           <a:p>
             <a:fld id="{85DC925B-5163-2244-89A0-03E274A63521}" type="datetimeFigureOut">
               <a:rPr lang="en-US" smtClean="0"/>
-              <a:t>7/17/19</a:t>
+              <a:t>7/18/19</a:t>
             </a:fld>
             <a:endParaRPr lang="en-US"/>
           </a:p>
@@ -3729,7 +3736,7 @@
           <a:ln/>
           <a:extLst>
             <a:ext uri="{91240B29-F687-4f45-9708-019B960494DF}">
-              <a14:hiddenLine xmlns:a14="http://schemas.microsoft.com/office/drawing/2010/main" xmlns="" w="9525">
+              <a14:hiddenLine xmlns="" xmlns:a14="http://schemas.microsoft.com/office/drawing/2010/main" w="9525">
                 <a:solidFill>
                   <a:srgbClr val="000000"/>
                 </a:solidFill>
@@ -3795,7 +3802,7 @@
           <a:p>
             <a:fld id="{85DC925B-5163-2244-89A0-03E274A63521}" type="datetimeFigureOut">
               <a:rPr lang="en-US" smtClean="0"/>
-              <a:t>7/17/19</a:t>
+              <a:t>7/18/19</a:t>
             </a:fld>
             <a:endParaRPr lang="en-US"/>
           </a:p>
@@ -3890,7 +3897,7 @@
           <a:p>
             <a:fld id="{85DC925B-5163-2244-89A0-03E274A63521}" type="datetimeFigureOut">
               <a:rPr lang="en-US" smtClean="0"/>
-              <a:t>7/17/19</a:t>
+              <a:t>7/18/19</a:t>
             </a:fld>
             <a:endParaRPr lang="en-US"/>
           </a:p>
@@ -4158,7 +4165,7 @@
           <a:ln/>
           <a:extLst>
             <a:ext uri="{91240B29-F687-4f45-9708-019B960494DF}">
-              <a14:hiddenLine xmlns:a14="http://schemas.microsoft.com/office/drawing/2010/main" xmlns="" w="9525">
+              <a14:hiddenLine xmlns="" xmlns:a14="http://schemas.microsoft.com/office/drawing/2010/main" w="9525">
                 <a:solidFill>
                   <a:srgbClr val="000000"/>
                 </a:solidFill>
@@ -4357,7 +4364,7 @@
           <a:p>
             <a:fld id="{85DC925B-5163-2244-89A0-03E274A63521}" type="datetimeFigureOut">
               <a:rPr lang="en-US" smtClean="0"/>
-              <a:t>7/17/19</a:t>
+              <a:t>7/18/19</a:t>
             </a:fld>
             <a:endParaRPr lang="en-US"/>
           </a:p>
@@ -4670,7 +4677,7 @@
           <a:p>
             <a:fld id="{85DC925B-5163-2244-89A0-03E274A63521}" type="datetimeFigureOut">
               <a:rPr lang="en-US" smtClean="0"/>
-              <a:t>7/17/19</a:t>
+              <a:t>7/18/19</a:t>
             </a:fld>
             <a:endParaRPr lang="en-US"/>
           </a:p>
@@ -4940,7 +4947,7 @@
           <a:p>
             <a:fld id="{85DC925B-5163-2244-89A0-03E274A63521}" type="datetimeFigureOut">
               <a:rPr lang="en-US" smtClean="0"/>
-              <a:t>7/17/19</a:t>
+              <a:t>7/18/19</a:t>
             </a:fld>
             <a:endParaRPr lang="en-US"/>
           </a:p>
@@ -5746,7 +5753,7 @@
           <a:effectLst/>
           <a:extLst>
             <a:ext uri="{91240B29-F687-4f45-9708-019B960494DF}">
-              <a14:hiddenLine xmlns="" xmlns:a14="http://schemas.microsoft.com/office/drawing/2010/main" xmlns:p14="http://schemas.microsoft.com/office/powerpoint/2010/main" xmlns:a16="http://schemas.microsoft.com/office/drawing/2014/main" w="9525">
+              <a14:hiddenLine xmlns:a16="http://schemas.microsoft.com/office/drawing/2014/main" xmlns:p14="http://schemas.microsoft.com/office/powerpoint/2010/main" xmlns:a14="http://schemas.microsoft.com/office/drawing/2010/main" xmlns="" w="9525">
                 <a:solidFill>
                   <a:srgbClr val="000000"/>
                 </a:solidFill>
@@ -5807,7 +5814,7 @@
       </p:sp>
       <p:pic>
         <p:nvPicPr>
-          <p:cNvPr id="11" name="Picture 10" descr="A young person taking a selfie&#10;&#10;Description automatically generated">
+          <p:cNvPr id="11" name="Picture 10" descr="Team Leader - Gaurav Goswami">
             <a:extLst>
               <a:ext uri="{FF2B5EF4-FFF2-40B4-BE49-F238E27FC236}">
                 <a16:creationId xmlns:a16="http://schemas.microsoft.com/office/drawing/2014/main" id="{55795064-D61C-8546-9F69-693C640F25D4}"/>
@@ -5827,7 +5834,7 @@
         </p:blipFill>
         <p:spPr>
           <a:xfrm>
-            <a:off x="791994" y="1106947"/>
+            <a:off x="1009124" y="1122186"/>
             <a:ext cx="2032001" cy="2032001"/>
           </a:xfrm>
           <a:prstGeom prst="rect">
@@ -5837,7 +5844,7 @@
       </p:pic>
       <p:pic>
         <p:nvPicPr>
-          <p:cNvPr id="13" name="Picture 12" descr="A person wearing glasses&#10;&#10;Description automatically generated">
+          <p:cNvPr id="13" name="Picture 12" descr="Backend Dev - Eshani Agarwal">
             <a:extLst>
               <a:ext uri="{FF2B5EF4-FFF2-40B4-BE49-F238E27FC236}">
                 <a16:creationId xmlns:a16="http://schemas.microsoft.com/office/drawing/2014/main" id="{6C0BEAC2-FC77-9D41-88D1-E515A6635793}"/>
@@ -5866,7 +5873,7 @@
       </p:pic>
       <p:pic>
         <p:nvPicPr>
-          <p:cNvPr id="14" name="Picture 13">
+          <p:cNvPr id="14" name="Picture 13" descr="Ideator - Enosh Kumar">
             <a:extLst>
               <a:ext uri="{FF2B5EF4-FFF2-40B4-BE49-F238E27FC236}">
                 <a16:creationId xmlns:a16="http://schemas.microsoft.com/office/drawing/2014/main" id="{D298A2EE-67C4-C949-A34A-DDC86C87F25F}"/>
@@ -5895,7 +5902,7 @@
       </p:pic>
       <p:pic>
         <p:nvPicPr>
-          <p:cNvPr id="16" name="Picture 15" descr="A person wearing glasses posing for the camera&#10;&#10;Description automatically generated">
+          <p:cNvPr id="16" name="Picture 15" descr="ML Expert - Divyanshu Gaur">
             <a:extLst>
               <a:ext uri="{FF2B5EF4-FFF2-40B4-BE49-F238E27FC236}">
                 <a16:creationId xmlns:a16="http://schemas.microsoft.com/office/drawing/2014/main" id="{E00EF2FC-960B-F049-99FC-4CB60A286AAA}"/>
@@ -5915,7 +5922,7 @@
         </p:blipFill>
         <p:spPr>
           <a:xfrm>
-            <a:off x="9669739" y="1102358"/>
+            <a:off x="9363416" y="1117597"/>
             <a:ext cx="2036590" cy="2036590"/>
           </a:xfrm>
           <a:prstGeom prst="rect">
@@ -5937,7 +5944,7 @@
         </p:nvSpPr>
         <p:spPr>
           <a:xfrm>
-            <a:off x="681272" y="3291840"/>
+            <a:off x="898402" y="3307079"/>
             <a:ext cx="2157963" cy="369332"/>
           </a:xfrm>
           <a:prstGeom prst="rect">
@@ -6055,7 +6062,7 @@
         </p:nvSpPr>
         <p:spPr>
           <a:xfrm>
-            <a:off x="9669739" y="3291840"/>
+            <a:off x="9363416" y="3307079"/>
             <a:ext cx="1957587" cy="369332"/>
           </a:xfrm>
           <a:prstGeom prst="rect">
@@ -6540,7 +6547,7 @@
         </p:nvSpPr>
         <p:spPr>
           <a:xfrm>
-            <a:off x="609600" y="2118359"/>
+            <a:off x="578604" y="2257841"/>
             <a:ext cx="10763686" cy="4572001"/>
           </a:xfrm>
         </p:spPr>
@@ -6677,131 +6684,721 @@
       </p:grpSpPr>
       <p:sp>
         <p:nvSpPr>
-          <p:cNvPr id="2" name="Title 1">
+          <p:cNvPr id="37" name="Rectangle 36">
             <a:extLst>
               <a:ext uri="{FF2B5EF4-FFF2-40B4-BE49-F238E27FC236}">
-                <a16:creationId xmlns:a16="http://schemas.microsoft.com/office/drawing/2014/main" id="{50473E56-AC4F-314E-A125-DA2FF6BB9EE4}"/>
+                <a16:creationId xmlns:a16="http://schemas.microsoft.com/office/drawing/2014/main" id="{E2C9196B-B9D7-0641-A648-5F43A2C73E79}"/>
               </a:ext>
             </a:extLst>
           </p:cNvPr>
-          <p:cNvSpPr>
-            <a:spLocks noGrp="1"/>
-          </p:cNvSpPr>
-          <p:nvPr>
-            <p:ph type="title"/>
-          </p:nvPr>
-        </p:nvSpPr>
-        <p:spPr/>
-        <p:txBody>
-          <a:bodyPr/>
-          <a:lstStyle/>
-          <a:p>
-            <a:r>
-              <a:rPr lang="en-US" dirty="0"/>
-              <a:t>Architecture Flow</a:t>
-            </a:r>
-          </a:p>
-        </p:txBody>
-      </p:sp>
-      <p:pic>
-        <p:nvPicPr>
-          <p:cNvPr id="5" name="Picture 4" descr="A picture containing text&#10;&#10;Description automatically generated">
-            <a:extLst>
-              <a:ext uri="{FF2B5EF4-FFF2-40B4-BE49-F238E27FC236}">
-                <a16:creationId xmlns:a16="http://schemas.microsoft.com/office/drawing/2014/main" id="{AB973EF5-70BF-6444-B322-93DCDD278530}"/>
-              </a:ext>
-            </a:extLst>
-          </p:cNvPr>
-          <p:cNvPicPr>
-            <a:picLocks noChangeAspect="1"/>
-          </p:cNvPicPr>
+          <p:cNvSpPr/>
           <p:nvPr/>
-        </p:nvPicPr>
-        <p:blipFill>
-          <a:blip r:embed="rId2"/>
-          <a:stretch>
-            <a:fillRect/>
-          </a:stretch>
-        </p:blipFill>
+        </p:nvSpPr>
         <p:spPr>
           <a:xfrm>
-            <a:off x="9416310" y="1946585"/>
-            <a:ext cx="2608050" cy="4804735"/>
+            <a:off x="222141" y="3208147"/>
+            <a:ext cx="11747714" cy="1456841"/>
           </a:xfrm>
           <a:prstGeom prst="rect">
             <a:avLst/>
           </a:prstGeom>
         </p:spPr>
-      </p:pic>
-      <p:sp>
-        <p:nvSpPr>
-          <p:cNvPr id="6" name="TextBox 5">
+        <p:style>
+          <a:lnRef idx="2">
+            <a:schemeClr val="accent1">
+              <a:shade val="50000"/>
+            </a:schemeClr>
+          </a:lnRef>
+          <a:fillRef idx="1">
+            <a:schemeClr val="accent1"/>
+          </a:fillRef>
+          <a:effectRef idx="0">
+            <a:schemeClr val="accent1"/>
+          </a:effectRef>
+          <a:fontRef idx="minor">
+            <a:schemeClr val="lt1"/>
+          </a:fontRef>
+        </p:style>
+        <p:txBody>
+          <a:bodyPr rtlCol="0" anchor="ctr"/>
+          <a:lstStyle/>
+          <a:p>
+            <a:pPr algn="ctr"/>
+            <a:endParaRPr lang="en-US"/>
+          </a:p>
+        </p:txBody>
+      </p:sp>
+      <p:sp>
+        <p:nvSpPr>
+          <p:cNvPr id="2" name="Title 1">
             <a:extLst>
               <a:ext uri="{FF2B5EF4-FFF2-40B4-BE49-F238E27FC236}">
-                <a16:creationId xmlns:a16="http://schemas.microsoft.com/office/drawing/2014/main" id="{FE1C6D6C-637A-1641-A1DA-C5E83A82E6C2}"/>
+                <a16:creationId xmlns:a16="http://schemas.microsoft.com/office/drawing/2014/main" id="{7772A8D2-7F23-E144-B58A-89EE332E8FC6}"/>
               </a:ext>
             </a:extLst>
           </p:cNvPr>
-          <p:cNvSpPr txBox="1"/>
+          <p:cNvSpPr>
+            <a:spLocks noGrp="1"/>
+          </p:cNvSpPr>
+          <p:nvPr>
+            <p:ph type="title"/>
+          </p:nvPr>
+        </p:nvSpPr>
+        <p:spPr/>
+        <p:txBody>
+          <a:bodyPr/>
+          <a:lstStyle/>
+          <a:p>
+            <a:r>
+              <a:rPr lang="en-US" dirty="0"/>
+              <a:t>Architecture Diagram</a:t>
+            </a:r>
+          </a:p>
+        </p:txBody>
+      </p:sp>
+      <p:sp>
+        <p:nvSpPr>
+          <p:cNvPr id="4" name="Rounded Rectangle 3">
+            <a:extLst>
+              <a:ext uri="{FF2B5EF4-FFF2-40B4-BE49-F238E27FC236}">
+                <a16:creationId xmlns:a16="http://schemas.microsoft.com/office/drawing/2014/main" id="{B3B37517-1895-DA48-A615-578A9EE2048C}"/>
+              </a:ext>
+            </a:extLst>
+          </p:cNvPr>
+          <p:cNvSpPr/>
           <p:nvPr/>
         </p:nvSpPr>
         <p:spPr>
           <a:xfrm>
-            <a:off x="167640" y="2413337"/>
-            <a:ext cx="9052560" cy="2031325"/>
+            <a:off x="222141" y="2324745"/>
+            <a:ext cx="11747715" cy="557938"/>
           </a:xfrm>
-          <a:prstGeom prst="rect">
+          <a:prstGeom prst="roundRect">
             <a:avLst/>
           </a:prstGeom>
-          <a:noFill/>
         </p:spPr>
-        <p:txBody>
-          <a:bodyPr wrap="square" rtlCol="0">
-            <a:spAutoFit/>
-          </a:bodyPr>
-          <a:lstStyle/>
-          <a:p>
-            <a:pPr marL="342900" indent="-342900">
-              <a:buAutoNum type="arabicPeriod"/>
-            </a:pPr>
+        <p:style>
+          <a:lnRef idx="2">
+            <a:schemeClr val="accent1">
+              <a:shade val="50000"/>
+            </a:schemeClr>
+          </a:lnRef>
+          <a:fillRef idx="1">
+            <a:schemeClr val="accent1"/>
+          </a:fillRef>
+          <a:effectRef idx="0">
+            <a:schemeClr val="accent1"/>
+          </a:effectRef>
+          <a:fontRef idx="minor">
+            <a:schemeClr val="lt1"/>
+          </a:fontRef>
+        </p:style>
+        <p:txBody>
+          <a:bodyPr rtlCol="0" anchor="ctr"/>
+          <a:lstStyle/>
+          <a:p>
+            <a:pPr algn="ctr"/>
             <a:r>
               <a:rPr lang="en-US" dirty="0"/>
-              <a:t>User logs in with Twitter Developer Account Credentials.</a:t>
-            </a:r>
-          </a:p>
-          <a:p>
-            <a:pPr marL="342900" indent="-342900">
-              <a:buAutoNum type="arabicPeriod"/>
-            </a:pPr>
+              <a:t>Friend Affinity Finder App (Frontend)</a:t>
+            </a:r>
+          </a:p>
+        </p:txBody>
+      </p:sp>
+      <p:sp>
+        <p:nvSpPr>
+          <p:cNvPr id="6" name="Rounded Rectangle 5">
+            <a:extLst>
+              <a:ext uri="{FF2B5EF4-FFF2-40B4-BE49-F238E27FC236}">
+                <a16:creationId xmlns:a16="http://schemas.microsoft.com/office/drawing/2014/main" id="{0B19A926-D302-6146-B331-F6B59FACE5DA}"/>
+              </a:ext>
+            </a:extLst>
+          </p:cNvPr>
+          <p:cNvSpPr/>
+          <p:nvPr/>
+        </p:nvSpPr>
+        <p:spPr>
+          <a:xfrm>
+            <a:off x="222141" y="5054700"/>
+            <a:ext cx="11747714" cy="557940"/>
+          </a:xfrm>
+          <a:prstGeom prst="roundRect">
+            <a:avLst/>
+          </a:prstGeom>
+        </p:spPr>
+        <p:style>
+          <a:lnRef idx="2">
+            <a:schemeClr val="accent1">
+              <a:shade val="50000"/>
+            </a:schemeClr>
+          </a:lnRef>
+          <a:fillRef idx="1">
+            <a:schemeClr val="accent1"/>
+          </a:fillRef>
+          <a:effectRef idx="0">
+            <a:schemeClr val="accent1"/>
+          </a:effectRef>
+          <a:fontRef idx="minor">
+            <a:schemeClr val="lt1"/>
+          </a:fontRef>
+        </p:style>
+        <p:txBody>
+          <a:bodyPr rtlCol="0" anchor="ctr"/>
+          <a:lstStyle/>
+          <a:p>
+            <a:pPr algn="ctr"/>
             <a:r>
               <a:rPr lang="en-US" dirty="0"/>
-              <a:t>User analyzes textual data (either raw text or tweets fetched from any friend or followers Twitter Handle).</a:t>
-            </a:r>
-          </a:p>
-          <a:p>
-            <a:pPr marL="342900" indent="-342900">
-              <a:buAutoNum type="arabicPeriod"/>
-            </a:pPr>
+              <a:t>Python Backend</a:t>
+            </a:r>
+          </a:p>
+        </p:txBody>
+      </p:sp>
+      <p:sp>
+        <p:nvSpPr>
+          <p:cNvPr id="8" name="Round Diagonal Corner Rectangle 7">
+            <a:extLst>
+              <a:ext uri="{FF2B5EF4-FFF2-40B4-BE49-F238E27FC236}">
+                <a16:creationId xmlns:a16="http://schemas.microsoft.com/office/drawing/2014/main" id="{7B54CF22-DB0E-BA49-B562-A2E8B0468432}"/>
+              </a:ext>
+            </a:extLst>
+          </p:cNvPr>
+          <p:cNvSpPr/>
+          <p:nvPr/>
+        </p:nvSpPr>
+        <p:spPr>
+          <a:xfrm>
+            <a:off x="602816" y="3417374"/>
+            <a:ext cx="1566946" cy="1015140"/>
+          </a:xfrm>
+          <a:prstGeom prst="round2DiagRect">
+            <a:avLst/>
+          </a:prstGeom>
+        </p:spPr>
+        <p:style>
+          <a:lnRef idx="3">
+            <a:schemeClr val="lt1"/>
+          </a:lnRef>
+          <a:fillRef idx="1">
+            <a:schemeClr val="accent1"/>
+          </a:fillRef>
+          <a:effectRef idx="1">
+            <a:schemeClr val="accent1"/>
+          </a:effectRef>
+          <a:fontRef idx="minor">
+            <a:schemeClr val="lt1"/>
+          </a:fontRef>
+        </p:style>
+        <p:txBody>
+          <a:bodyPr rtlCol="0" anchor="ctr"/>
+          <a:lstStyle/>
+          <a:p>
+            <a:pPr algn="ctr"/>
+            <a:r>
+              <a:rPr lang="en-US" sz="1400" dirty="0"/>
+              <a:t>Authentication</a:t>
+            </a:r>
+          </a:p>
+        </p:txBody>
+      </p:sp>
+      <p:sp>
+        <p:nvSpPr>
+          <p:cNvPr id="9" name="Round Diagonal Corner Rectangle 8">
+            <a:extLst>
+              <a:ext uri="{FF2B5EF4-FFF2-40B4-BE49-F238E27FC236}">
+                <a16:creationId xmlns:a16="http://schemas.microsoft.com/office/drawing/2014/main" id="{D9079C2D-E0C1-144F-9C9D-2B51B99EB845}"/>
+              </a:ext>
+            </a:extLst>
+          </p:cNvPr>
+          <p:cNvSpPr/>
+          <p:nvPr/>
+        </p:nvSpPr>
+        <p:spPr>
+          <a:xfrm>
+            <a:off x="2957912" y="3417374"/>
+            <a:ext cx="1566946" cy="1015140"/>
+          </a:xfrm>
+          <a:prstGeom prst="round2DiagRect">
+            <a:avLst/>
+          </a:prstGeom>
+        </p:spPr>
+        <p:style>
+          <a:lnRef idx="3">
+            <a:schemeClr val="lt1"/>
+          </a:lnRef>
+          <a:fillRef idx="1">
+            <a:schemeClr val="accent1"/>
+          </a:fillRef>
+          <a:effectRef idx="1">
+            <a:schemeClr val="accent1"/>
+          </a:effectRef>
+          <a:fontRef idx="minor">
+            <a:schemeClr val="lt1"/>
+          </a:fontRef>
+        </p:style>
+        <p:txBody>
+          <a:bodyPr rtlCol="0" anchor="ctr"/>
+          <a:lstStyle/>
+          <a:p>
+            <a:pPr algn="ctr"/>
             <a:r>
               <a:rPr lang="en-US" dirty="0"/>
-              <a:t>User is displayed card with properties and corresponding scores of every person analyzed.</a:t>
-            </a:r>
-          </a:p>
-          <a:p>
-            <a:pPr marL="342900" indent="-342900">
-              <a:buAutoNum type="arabicPeriod"/>
-            </a:pPr>
+              <a:t>Data Fetch</a:t>
+            </a:r>
+          </a:p>
+        </p:txBody>
+      </p:sp>
+      <p:sp>
+        <p:nvSpPr>
+          <p:cNvPr id="10" name="Round Diagonal Corner Rectangle 9">
+            <a:extLst>
+              <a:ext uri="{FF2B5EF4-FFF2-40B4-BE49-F238E27FC236}">
+                <a16:creationId xmlns:a16="http://schemas.microsoft.com/office/drawing/2014/main" id="{624C0F37-70AB-F04A-8219-9DAAE5E7FCBE}"/>
+              </a:ext>
+            </a:extLst>
+          </p:cNvPr>
+          <p:cNvSpPr/>
+          <p:nvPr/>
+        </p:nvSpPr>
+        <p:spPr>
+          <a:xfrm>
+            <a:off x="5313005" y="3430128"/>
+            <a:ext cx="1566946" cy="1015140"/>
+          </a:xfrm>
+          <a:prstGeom prst="round2DiagRect">
+            <a:avLst/>
+          </a:prstGeom>
+        </p:spPr>
+        <p:style>
+          <a:lnRef idx="3">
+            <a:schemeClr val="lt1"/>
+          </a:lnRef>
+          <a:fillRef idx="1">
+            <a:schemeClr val="accent1"/>
+          </a:fillRef>
+          <a:effectRef idx="1">
+            <a:schemeClr val="accent1"/>
+          </a:effectRef>
+          <a:fontRef idx="minor">
+            <a:schemeClr val="lt1"/>
+          </a:fontRef>
+        </p:style>
+        <p:txBody>
+          <a:bodyPr rtlCol="0" anchor="ctr"/>
+          <a:lstStyle/>
+          <a:p>
+            <a:pPr algn="ctr"/>
             <a:r>
               <a:rPr lang="en-US" dirty="0"/>
-              <a:t>User is shown a 3D affinity graph which gives an estimate about affinity among the analyzed people.</a:t>
-            </a:r>
+              <a:t>Analysis</a:t>
+            </a:r>
+          </a:p>
+        </p:txBody>
+      </p:sp>
+      <p:sp>
+        <p:nvSpPr>
+          <p:cNvPr id="11" name="Round Diagonal Corner Rectangle 10">
+            <a:extLst>
+              <a:ext uri="{FF2B5EF4-FFF2-40B4-BE49-F238E27FC236}">
+                <a16:creationId xmlns:a16="http://schemas.microsoft.com/office/drawing/2014/main" id="{3DC469DF-96A0-AB45-956A-EDD3EDC670E6}"/>
+              </a:ext>
+            </a:extLst>
+          </p:cNvPr>
+          <p:cNvSpPr/>
+          <p:nvPr/>
+        </p:nvSpPr>
+        <p:spPr>
+          <a:xfrm>
+            <a:off x="7817276" y="3431260"/>
+            <a:ext cx="1566946" cy="1015140"/>
+          </a:xfrm>
+          <a:prstGeom prst="round2DiagRect">
+            <a:avLst/>
+          </a:prstGeom>
+        </p:spPr>
+        <p:style>
+          <a:lnRef idx="3">
+            <a:schemeClr val="lt1"/>
+          </a:lnRef>
+          <a:fillRef idx="1">
+            <a:schemeClr val="accent1"/>
+          </a:fillRef>
+          <a:effectRef idx="1">
+            <a:schemeClr val="accent1"/>
+          </a:effectRef>
+          <a:fontRef idx="minor">
+            <a:schemeClr val="lt1"/>
+          </a:fontRef>
+        </p:style>
+        <p:txBody>
+          <a:bodyPr rtlCol="0" anchor="ctr"/>
+          <a:lstStyle/>
+          <a:p>
+            <a:pPr algn="ctr"/>
+            <a:r>
+              <a:rPr lang="en-US" sz="1600" dirty="0"/>
+              <a:t>Display Card</a:t>
+            </a:r>
+          </a:p>
+        </p:txBody>
+      </p:sp>
+      <p:sp>
+        <p:nvSpPr>
+          <p:cNvPr id="12" name="Round Diagonal Corner Rectangle 11">
+            <a:extLst>
+              <a:ext uri="{FF2B5EF4-FFF2-40B4-BE49-F238E27FC236}">
+                <a16:creationId xmlns:a16="http://schemas.microsoft.com/office/drawing/2014/main" id="{90A42643-D01D-D548-B3D1-E76562A7BE73}"/>
+              </a:ext>
+            </a:extLst>
+          </p:cNvPr>
+          <p:cNvSpPr/>
+          <p:nvPr/>
+        </p:nvSpPr>
+        <p:spPr>
+          <a:xfrm>
+            <a:off x="10027078" y="3393645"/>
+            <a:ext cx="1566946" cy="1015140"/>
+          </a:xfrm>
+          <a:prstGeom prst="round2DiagRect">
+            <a:avLst/>
+          </a:prstGeom>
+        </p:spPr>
+        <p:style>
+          <a:lnRef idx="3">
+            <a:schemeClr val="lt1"/>
+          </a:lnRef>
+          <a:fillRef idx="1">
+            <a:schemeClr val="accent1"/>
+          </a:fillRef>
+          <a:effectRef idx="1">
+            <a:schemeClr val="accent1"/>
+          </a:effectRef>
+          <a:fontRef idx="minor">
+            <a:schemeClr val="lt1"/>
+          </a:fontRef>
+        </p:style>
+        <p:txBody>
+          <a:bodyPr rtlCol="0" anchor="ctr"/>
+          <a:lstStyle/>
+          <a:p>
+            <a:pPr algn="ctr"/>
+            <a:r>
+              <a:rPr lang="en-US" sz="1600" dirty="0"/>
+              <a:t>Generate 3D Graph</a:t>
+            </a:r>
+          </a:p>
+        </p:txBody>
+      </p:sp>
+      <p:sp>
+        <p:nvSpPr>
+          <p:cNvPr id="13" name="Rounded Rectangle 12">
+            <a:extLst>
+              <a:ext uri="{FF2B5EF4-FFF2-40B4-BE49-F238E27FC236}">
+                <a16:creationId xmlns:a16="http://schemas.microsoft.com/office/drawing/2014/main" id="{141B5751-B895-B24D-A91F-C14C4ACD2E8C}"/>
+              </a:ext>
+            </a:extLst>
+          </p:cNvPr>
+          <p:cNvSpPr/>
+          <p:nvPr/>
+        </p:nvSpPr>
+        <p:spPr>
+          <a:xfrm>
+            <a:off x="6230318" y="6062101"/>
+            <a:ext cx="5739539" cy="557939"/>
+          </a:xfrm>
+          <a:prstGeom prst="roundRect">
+            <a:avLst/>
+          </a:prstGeom>
+        </p:spPr>
+        <p:style>
+          <a:lnRef idx="2">
+            <a:schemeClr val="accent1">
+              <a:shade val="50000"/>
+            </a:schemeClr>
+          </a:lnRef>
+          <a:fillRef idx="1">
+            <a:schemeClr val="accent1"/>
+          </a:fillRef>
+          <a:effectRef idx="0">
+            <a:schemeClr val="accent1"/>
+          </a:effectRef>
+          <a:fontRef idx="minor">
+            <a:schemeClr val="lt1"/>
+          </a:fontRef>
+        </p:style>
+        <p:txBody>
+          <a:bodyPr rtlCol="0" anchor="ctr"/>
+          <a:lstStyle/>
+          <a:p>
+            <a:pPr algn="ctr"/>
+            <a:r>
+              <a:rPr lang="en-US" dirty="0"/>
+              <a:t>IBM Watson (NLU &amp; Personality Insights)</a:t>
+            </a:r>
+          </a:p>
+        </p:txBody>
+      </p:sp>
+      <p:sp>
+        <p:nvSpPr>
+          <p:cNvPr id="25" name="Up-Down Arrow 24">
+            <a:extLst>
+              <a:ext uri="{FF2B5EF4-FFF2-40B4-BE49-F238E27FC236}">
+                <a16:creationId xmlns:a16="http://schemas.microsoft.com/office/drawing/2014/main" id="{FC6701F8-52A9-A940-A47E-74F1889B74F5}"/>
+              </a:ext>
+            </a:extLst>
+          </p:cNvPr>
+          <p:cNvSpPr/>
+          <p:nvPr/>
+        </p:nvSpPr>
+        <p:spPr>
+          <a:xfrm>
+            <a:off x="8967222" y="5565018"/>
+            <a:ext cx="265736" cy="495949"/>
+          </a:xfrm>
+          <a:prstGeom prst="upDownArrow">
+            <a:avLst/>
+          </a:prstGeom>
+          <a:solidFill>
+            <a:schemeClr val="tx1"/>
+          </a:solidFill>
+          <a:ln>
+            <a:solidFill>
+              <a:schemeClr val="tx1"/>
+            </a:solidFill>
+          </a:ln>
+        </p:spPr>
+        <p:style>
+          <a:lnRef idx="0">
+            <a:scrgbClr r="0" g="0" b="0"/>
+          </a:lnRef>
+          <a:fillRef idx="0">
+            <a:scrgbClr r="0" g="0" b="0"/>
+          </a:fillRef>
+          <a:effectRef idx="0">
+            <a:scrgbClr r="0" g="0" b="0"/>
+          </a:effectRef>
+          <a:fontRef idx="minor">
+            <a:schemeClr val="accent3"/>
+          </a:fontRef>
+        </p:style>
+        <p:txBody>
+          <a:bodyPr rtlCol="0" anchor="ctr"/>
+          <a:lstStyle/>
+          <a:p>
+            <a:pPr algn="ctr"/>
+            <a:endParaRPr lang="en-US"/>
+          </a:p>
+        </p:txBody>
+      </p:sp>
+      <p:sp>
+        <p:nvSpPr>
+          <p:cNvPr id="36" name="Magnetic Disk 35">
+            <a:extLst>
+              <a:ext uri="{FF2B5EF4-FFF2-40B4-BE49-F238E27FC236}">
+                <a16:creationId xmlns:a16="http://schemas.microsoft.com/office/drawing/2014/main" id="{E2C58B1B-0FA4-5642-B4B6-55B8100DC77D}"/>
+              </a:ext>
+            </a:extLst>
+          </p:cNvPr>
+          <p:cNvSpPr/>
+          <p:nvPr/>
+        </p:nvSpPr>
+        <p:spPr>
+          <a:xfrm>
+            <a:off x="2216254" y="5920352"/>
+            <a:ext cx="1782305" cy="761681"/>
+          </a:xfrm>
+          <a:prstGeom prst="flowChartMagneticDisk">
+            <a:avLst/>
+          </a:prstGeom>
+        </p:spPr>
+        <p:style>
+          <a:lnRef idx="2">
+            <a:schemeClr val="accent1">
+              <a:shade val="50000"/>
+            </a:schemeClr>
+          </a:lnRef>
+          <a:fillRef idx="1">
+            <a:schemeClr val="accent1"/>
+          </a:fillRef>
+          <a:effectRef idx="0">
+            <a:schemeClr val="accent1"/>
+          </a:effectRef>
+          <a:fontRef idx="minor">
+            <a:schemeClr val="lt1"/>
+          </a:fontRef>
+        </p:style>
+        <p:txBody>
+          <a:bodyPr rtlCol="0" anchor="ctr"/>
+          <a:lstStyle/>
+          <a:p>
+            <a:pPr algn="ctr"/>
+            <a:r>
+              <a:rPr lang="en-US" dirty="0"/>
+              <a:t>Twitter DB</a:t>
+            </a:r>
+          </a:p>
+        </p:txBody>
+      </p:sp>
+      <p:sp>
+        <p:nvSpPr>
+          <p:cNvPr id="24" name="Up-Down Arrow 23">
+            <a:extLst>
+              <a:ext uri="{FF2B5EF4-FFF2-40B4-BE49-F238E27FC236}">
+                <a16:creationId xmlns:a16="http://schemas.microsoft.com/office/drawing/2014/main" id="{7C10D2F6-AD38-5541-80C1-2CB5D589FCA4}"/>
+              </a:ext>
+            </a:extLst>
+          </p:cNvPr>
+          <p:cNvSpPr/>
+          <p:nvPr/>
+        </p:nvSpPr>
+        <p:spPr>
+          <a:xfrm>
+            <a:off x="2959042" y="5519657"/>
+            <a:ext cx="265736" cy="495949"/>
+          </a:xfrm>
+          <a:prstGeom prst="upDownArrow">
+            <a:avLst/>
+          </a:prstGeom>
+          <a:solidFill>
+            <a:schemeClr val="tx1"/>
+          </a:solidFill>
+          <a:ln>
+            <a:solidFill>
+              <a:schemeClr val="tx1"/>
+            </a:solidFill>
+          </a:ln>
+        </p:spPr>
+        <p:style>
+          <a:lnRef idx="0">
+            <a:scrgbClr r="0" g="0" b="0"/>
+          </a:lnRef>
+          <a:fillRef idx="0">
+            <a:scrgbClr r="0" g="0" b="0"/>
+          </a:fillRef>
+          <a:effectRef idx="0">
+            <a:scrgbClr r="0" g="0" b="0"/>
+          </a:effectRef>
+          <a:fontRef idx="minor">
+            <a:schemeClr val="accent3"/>
+          </a:fontRef>
+        </p:style>
+        <p:txBody>
+          <a:bodyPr rtlCol="0" anchor="ctr"/>
+          <a:lstStyle/>
+          <a:p>
+            <a:pPr algn="ctr"/>
+            <a:endParaRPr lang="en-US"/>
+          </a:p>
+        </p:txBody>
+      </p:sp>
+      <p:sp>
+        <p:nvSpPr>
+          <p:cNvPr id="38" name="Up-Down Arrow 37">
+            <a:extLst>
+              <a:ext uri="{FF2B5EF4-FFF2-40B4-BE49-F238E27FC236}">
+                <a16:creationId xmlns:a16="http://schemas.microsoft.com/office/drawing/2014/main" id="{83953C81-BD9A-F340-BF70-66EE12CFFF32}"/>
+              </a:ext>
+            </a:extLst>
+          </p:cNvPr>
+          <p:cNvSpPr/>
+          <p:nvPr/>
+        </p:nvSpPr>
+        <p:spPr>
+          <a:xfrm>
+            <a:off x="5800396" y="4605239"/>
+            <a:ext cx="265736" cy="495949"/>
+          </a:xfrm>
+          <a:prstGeom prst="upDownArrow">
+            <a:avLst/>
+          </a:prstGeom>
+          <a:solidFill>
+            <a:schemeClr val="tx1"/>
+          </a:solidFill>
+          <a:ln>
+            <a:solidFill>
+              <a:schemeClr val="tx1"/>
+            </a:solidFill>
+          </a:ln>
+        </p:spPr>
+        <p:style>
+          <a:lnRef idx="0">
+            <a:scrgbClr r="0" g="0" b="0"/>
+          </a:lnRef>
+          <a:fillRef idx="0">
+            <a:scrgbClr r="0" g="0" b="0"/>
+          </a:fillRef>
+          <a:effectRef idx="0">
+            <a:scrgbClr r="0" g="0" b="0"/>
+          </a:effectRef>
+          <a:fontRef idx="minor">
+            <a:schemeClr val="accent3"/>
+          </a:fontRef>
+        </p:style>
+        <p:txBody>
+          <a:bodyPr rtlCol="0" anchor="ctr"/>
+          <a:lstStyle/>
+          <a:p>
+            <a:pPr algn="ctr"/>
+            <a:endParaRPr lang="en-US"/>
+          </a:p>
+        </p:txBody>
+      </p:sp>
+      <p:sp>
+        <p:nvSpPr>
+          <p:cNvPr id="39" name="Up-Down Arrow 38">
+            <a:extLst>
+              <a:ext uri="{FF2B5EF4-FFF2-40B4-BE49-F238E27FC236}">
+                <a16:creationId xmlns:a16="http://schemas.microsoft.com/office/drawing/2014/main" id="{B7D39F46-1E43-9C44-B385-6F4E77B1EEAA}"/>
+              </a:ext>
+            </a:extLst>
+          </p:cNvPr>
+          <p:cNvSpPr/>
+          <p:nvPr/>
+        </p:nvSpPr>
+        <p:spPr>
+          <a:xfrm>
+            <a:off x="5800396" y="2774208"/>
+            <a:ext cx="265736" cy="495949"/>
+          </a:xfrm>
+          <a:prstGeom prst="upDownArrow">
+            <a:avLst/>
+          </a:prstGeom>
+          <a:solidFill>
+            <a:schemeClr val="tx1"/>
+          </a:solidFill>
+          <a:ln>
+            <a:solidFill>
+              <a:schemeClr val="tx1"/>
+            </a:solidFill>
+          </a:ln>
+        </p:spPr>
+        <p:style>
+          <a:lnRef idx="0">
+            <a:scrgbClr r="0" g="0" b="0"/>
+          </a:lnRef>
+          <a:fillRef idx="0">
+            <a:scrgbClr r="0" g="0" b="0"/>
+          </a:fillRef>
+          <a:effectRef idx="0">
+            <a:scrgbClr r="0" g="0" b="0"/>
+          </a:effectRef>
+          <a:fontRef idx="minor">
+            <a:schemeClr val="accent3"/>
+          </a:fontRef>
+        </p:style>
+        <p:txBody>
+          <a:bodyPr rtlCol="0" anchor="ctr"/>
+          <a:lstStyle/>
+          <a:p>
+            <a:pPr algn="ctr"/>
+            <a:endParaRPr lang="en-US"/>
           </a:p>
         </p:txBody>
       </p:sp>
     </p:spTree>
     <p:extLst>
       <p:ext uri="{BB962C8B-B14F-4D97-AF65-F5344CB8AC3E}">
-        <p14:creationId xmlns:p14="http://schemas.microsoft.com/office/powerpoint/2010/main" val="458274950"/>
+        <p14:creationId xmlns:p14="http://schemas.microsoft.com/office/powerpoint/2010/main" val="1244673586"/>
       </p:ext>
     </p:extLst>
   </p:cSld>
@@ -6851,36 +7448,41 @@
           <a:p>
             <a:r>
               <a:rPr lang="en-US" dirty="0"/>
-              <a:t>DFDs and Flow Diagrams</a:t>
-            </a:r>
-          </a:p>
-        </p:txBody>
-      </p:sp>
-      <p:sp>
-        <p:nvSpPr>
-          <p:cNvPr id="3" name="Content Placeholder 2">
+              <a:t>DFD – Level 1</a:t>
+            </a:r>
+          </a:p>
+        </p:txBody>
+      </p:sp>
+      <p:pic>
+        <p:nvPicPr>
+          <p:cNvPr id="5" name="Picture 4" descr="DFD Level 1">
             <a:extLst>
               <a:ext uri="{FF2B5EF4-FFF2-40B4-BE49-F238E27FC236}">
-                <a16:creationId xmlns:a16="http://schemas.microsoft.com/office/drawing/2014/main" id="{94AC2B3E-88A3-4B48-ADC4-69EF752E1830}"/>
+                <a16:creationId xmlns:a16="http://schemas.microsoft.com/office/drawing/2014/main" id="{D1459574-5B67-FB45-BA8C-DF651EB7A7E6}"/>
               </a:ext>
             </a:extLst>
           </p:cNvPr>
-          <p:cNvSpPr>
-            <a:spLocks noGrp="1"/>
-          </p:cNvSpPr>
-          <p:nvPr>
-            <p:ph idx="1"/>
-          </p:nvPr>
-        </p:nvSpPr>
-        <p:spPr/>
-        <p:txBody>
-          <a:bodyPr/>
-          <a:lstStyle/>
-          <a:p>
-            <a:endParaRPr lang="en-US"/>
-          </a:p>
-        </p:txBody>
-      </p:sp>
+          <p:cNvPicPr>
+            <a:picLocks noChangeAspect="1"/>
+          </p:cNvPicPr>
+          <p:nvPr/>
+        </p:nvPicPr>
+        <p:blipFill>
+          <a:blip r:embed="rId2"/>
+          <a:stretch>
+            <a:fillRect/>
+          </a:stretch>
+        </p:blipFill>
+        <p:spPr>
+          <a:xfrm>
+            <a:off x="78409" y="1952786"/>
+            <a:ext cx="12035179" cy="4786681"/>
+          </a:xfrm>
+          <a:prstGeom prst="rect">
+            <a:avLst/>
+          </a:prstGeom>
+        </p:spPr>
+      </p:pic>
     </p:spTree>
     <p:extLst>
       <p:ext uri="{BB962C8B-B14F-4D97-AF65-F5344CB8AC3E}">
@@ -6916,6 +7518,159 @@
           <p:cNvPr id="2" name="Title 1">
             <a:extLst>
               <a:ext uri="{FF2B5EF4-FFF2-40B4-BE49-F238E27FC236}">
+                <a16:creationId xmlns:a16="http://schemas.microsoft.com/office/drawing/2014/main" id="{50473E56-AC4F-314E-A125-DA2FF6BB9EE4}"/>
+              </a:ext>
+            </a:extLst>
+          </p:cNvPr>
+          <p:cNvSpPr>
+            <a:spLocks noGrp="1"/>
+          </p:cNvSpPr>
+          <p:nvPr>
+            <p:ph type="title"/>
+          </p:nvPr>
+        </p:nvSpPr>
+        <p:spPr/>
+        <p:txBody>
+          <a:bodyPr/>
+          <a:lstStyle/>
+          <a:p>
+            <a:r>
+              <a:rPr lang="en-US" dirty="0"/>
+              <a:t>Flow Diagram</a:t>
+            </a:r>
+          </a:p>
+        </p:txBody>
+      </p:sp>
+      <p:pic>
+        <p:nvPicPr>
+          <p:cNvPr id="5" name="Picture 4" descr="Flow Diagram">
+            <a:extLst>
+              <a:ext uri="{FF2B5EF4-FFF2-40B4-BE49-F238E27FC236}">
+                <a16:creationId xmlns:a16="http://schemas.microsoft.com/office/drawing/2014/main" id="{AB973EF5-70BF-6444-B322-93DCDD278530}"/>
+              </a:ext>
+            </a:extLst>
+          </p:cNvPr>
+          <p:cNvPicPr>
+            <a:picLocks noChangeAspect="1"/>
+          </p:cNvPicPr>
+          <p:nvPr/>
+        </p:nvPicPr>
+        <p:blipFill>
+          <a:blip r:embed="rId2"/>
+          <a:stretch>
+            <a:fillRect/>
+          </a:stretch>
+        </p:blipFill>
+        <p:spPr>
+          <a:xfrm>
+            <a:off x="9416310" y="1946585"/>
+            <a:ext cx="2608050" cy="4804735"/>
+          </a:xfrm>
+          <a:prstGeom prst="rect">
+            <a:avLst/>
+          </a:prstGeom>
+        </p:spPr>
+      </p:pic>
+      <p:sp>
+        <p:nvSpPr>
+          <p:cNvPr id="6" name="TextBox 5">
+            <a:extLst>
+              <a:ext uri="{FF2B5EF4-FFF2-40B4-BE49-F238E27FC236}">
+                <a16:creationId xmlns:a16="http://schemas.microsoft.com/office/drawing/2014/main" id="{FE1C6D6C-637A-1641-A1DA-C5E83A82E6C2}"/>
+              </a:ext>
+            </a:extLst>
+          </p:cNvPr>
+          <p:cNvSpPr txBox="1"/>
+          <p:nvPr/>
+        </p:nvSpPr>
+        <p:spPr>
+          <a:xfrm>
+            <a:off x="167640" y="2413337"/>
+            <a:ext cx="9052560" cy="2031325"/>
+          </a:xfrm>
+          <a:prstGeom prst="rect">
+            <a:avLst/>
+          </a:prstGeom>
+          <a:noFill/>
+        </p:spPr>
+        <p:txBody>
+          <a:bodyPr wrap="square" rtlCol="0">
+            <a:spAutoFit/>
+          </a:bodyPr>
+          <a:lstStyle/>
+          <a:p>
+            <a:pPr marL="342900" indent="-342900">
+              <a:buAutoNum type="arabicPeriod"/>
+            </a:pPr>
+            <a:r>
+              <a:rPr lang="en-US" dirty="0"/>
+              <a:t>User logs in with Twitter Developer Account Credentials.</a:t>
+            </a:r>
+          </a:p>
+          <a:p>
+            <a:pPr marL="342900" indent="-342900">
+              <a:buAutoNum type="arabicPeriod"/>
+            </a:pPr>
+            <a:r>
+              <a:rPr lang="en-US" dirty="0"/>
+              <a:t>User analyzes textual data (either raw text or tweets fetched from any friend or followers Twitter Handle).</a:t>
+            </a:r>
+          </a:p>
+          <a:p>
+            <a:pPr marL="342900" indent="-342900">
+              <a:buAutoNum type="arabicPeriod"/>
+            </a:pPr>
+            <a:r>
+              <a:rPr lang="en-US" dirty="0"/>
+              <a:t>User is displayed card with properties and corresponding scores of every person analyzed.</a:t>
+            </a:r>
+          </a:p>
+          <a:p>
+            <a:pPr marL="342900" indent="-342900">
+              <a:buAutoNum type="arabicPeriod"/>
+            </a:pPr>
+            <a:r>
+              <a:rPr lang="en-US" dirty="0"/>
+              <a:t>User is shown a 3D affinity graph which gives an estimate about affinity among the analyzed people.</a:t>
+            </a:r>
+          </a:p>
+        </p:txBody>
+      </p:sp>
+    </p:spTree>
+    <p:extLst>
+      <p:ext uri="{BB962C8B-B14F-4D97-AF65-F5344CB8AC3E}">
+        <p14:creationId xmlns:p14="http://schemas.microsoft.com/office/powerpoint/2010/main" val="458274950"/>
+      </p:ext>
+    </p:extLst>
+  </p:cSld>
+  <p:clrMapOvr>
+    <a:masterClrMapping/>
+  </p:clrMapOvr>
+</p:sld>
+</file>
+
+<file path=ppt/slides/slide7.xml><?xml version="1.0" encoding="utf-8"?>
+<p:sld xmlns:a="http://schemas.openxmlformats.org/drawingml/2006/main" xmlns:r="http://schemas.openxmlformats.org/officeDocument/2006/relationships" xmlns:p="http://schemas.openxmlformats.org/presentationml/2006/main">
+  <p:cSld>
+    <p:spTree>
+      <p:nvGrpSpPr>
+        <p:cNvPr id="1" name=""/>
+        <p:cNvGrpSpPr/>
+        <p:nvPr/>
+      </p:nvGrpSpPr>
+      <p:grpSpPr>
+        <a:xfrm>
+          <a:off x="0" y="0"/>
+          <a:ext cx="0" cy="0"/>
+          <a:chOff x="0" y="0"/>
+          <a:chExt cx="0" cy="0"/>
+        </a:xfrm>
+      </p:grpSpPr>
+      <p:sp>
+        <p:nvSpPr>
+          <p:cNvPr id="2" name="Title 1">
+            <a:extLst>
+              <a:ext uri="{FF2B5EF4-FFF2-40B4-BE49-F238E27FC236}">
                 <a16:creationId xmlns:a16="http://schemas.microsoft.com/office/drawing/2014/main" id="{EB5DDBE9-C125-B444-8EC1-EA64EC1ACBE8}"/>
               </a:ext>
             </a:extLst>
@@ -7044,6 +7799,99 @@
     <p:extLst>
       <p:ext uri="{BB962C8B-B14F-4D97-AF65-F5344CB8AC3E}">
         <p14:creationId xmlns:p14="http://schemas.microsoft.com/office/powerpoint/2010/main" val="2760272059"/>
+      </p:ext>
+    </p:extLst>
+  </p:cSld>
+  <p:clrMapOvr>
+    <a:masterClrMapping/>
+  </p:clrMapOvr>
+</p:sld>
+</file>
+
+<file path=ppt/slides/slide8.xml><?xml version="1.0" encoding="utf-8"?>
+<p:sld xmlns:a="http://schemas.openxmlformats.org/drawingml/2006/main" xmlns:r="http://schemas.openxmlformats.org/officeDocument/2006/relationships" xmlns:p="http://schemas.openxmlformats.org/presentationml/2006/main">
+  <p:cSld>
+    <p:spTree>
+      <p:nvGrpSpPr>
+        <p:cNvPr id="1" name=""/>
+        <p:cNvGrpSpPr/>
+        <p:nvPr/>
+      </p:nvGrpSpPr>
+      <p:grpSpPr>
+        <a:xfrm>
+          <a:off x="0" y="0"/>
+          <a:ext cx="0" cy="0"/>
+          <a:chOff x="0" y="0"/>
+          <a:chExt cx="0" cy="0"/>
+        </a:xfrm>
+      </p:grpSpPr>
+      <p:sp>
+        <p:nvSpPr>
+          <p:cNvPr id="4" name="Title 3">
+            <a:extLst>
+              <a:ext uri="{FF2B5EF4-FFF2-40B4-BE49-F238E27FC236}">
+                <a16:creationId xmlns:a16="http://schemas.microsoft.com/office/drawing/2014/main" id="{AE474733-BEBC-1641-A43B-D914E92BC5DF}"/>
+              </a:ext>
+            </a:extLst>
+          </p:cNvPr>
+          <p:cNvSpPr>
+            <a:spLocks noGrp="1"/>
+          </p:cNvSpPr>
+          <p:nvPr>
+            <p:ph type="title"/>
+          </p:nvPr>
+        </p:nvSpPr>
+        <p:spPr/>
+        <p:txBody>
+          <a:bodyPr/>
+          <a:lstStyle/>
+          <a:p>
+            <a:r>
+              <a:rPr lang="en-US" sz="9600" dirty="0"/>
+              <a:t>THANK</a:t>
+            </a:r>
+          </a:p>
+        </p:txBody>
+      </p:sp>
+      <p:sp>
+        <p:nvSpPr>
+          <p:cNvPr id="5" name="Text Placeholder 4">
+            <a:extLst>
+              <a:ext uri="{FF2B5EF4-FFF2-40B4-BE49-F238E27FC236}">
+                <a16:creationId xmlns:a16="http://schemas.microsoft.com/office/drawing/2014/main" id="{A2BECEBE-A918-A34A-A894-C63C90DDC5FF}"/>
+              </a:ext>
+            </a:extLst>
+          </p:cNvPr>
+          <p:cNvSpPr>
+            <a:spLocks noGrp="1"/>
+          </p:cNvSpPr>
+          <p:nvPr>
+            <p:ph type="body" sz="quarter" idx="16"/>
+          </p:nvPr>
+        </p:nvSpPr>
+        <p:spPr/>
+        <p:txBody>
+          <a:bodyPr>
+            <a:normAutofit fontScale="92500" lnSpcReduction="20000"/>
+          </a:bodyPr>
+          <a:lstStyle/>
+          <a:p>
+            <a:pPr>
+              <a:lnSpc>
+                <a:spcPct val="150000"/>
+              </a:lnSpc>
+            </a:pPr>
+            <a:r>
+              <a:rPr lang="en-US" sz="12800" dirty="0"/>
+              <a:t>YOU</a:t>
+            </a:r>
+          </a:p>
+        </p:txBody>
+      </p:sp>
+    </p:spTree>
+    <p:extLst>
+      <p:ext uri="{BB962C8B-B14F-4D97-AF65-F5344CB8AC3E}">
+        <p14:creationId xmlns:p14="http://schemas.microsoft.com/office/powerpoint/2010/main" val="199845826"/>
       </p:ext>
     </p:extLst>
   </p:cSld>
